--- a/unsw-it-9311/week2/Relational_Algebra.pptx
+++ b/unsw-it-9311/week2/Relational_Algebra.pptx
@@ -673,6 +673,100 @@
     </pc:docChg>
   </pc:docChgLst>
   <pc:docChgLst>
+    <pc:chgData clId="Web-{7103B2D5-B67B-4E7B-A34B-49593647FE85}"/>
+    <pc:docChg chg="addSld delSld modSld">
+      <pc:chgData name="" userId="" providerId="" clId="Web-{7103B2D5-B67B-4E7B-A34B-49593647FE85}" dt="2018-12-13T05:08:17.543" v="411" actId="20577"/>
+      <pc:docMkLst>
+        <pc:docMk/>
+      </pc:docMkLst>
+      <pc:sldChg chg="modSp">
+        <pc:chgData name="" userId="" providerId="" clId="Web-{7103B2D5-B67B-4E7B-A34B-49593647FE85}" dt="2018-12-13T04:54:47.053" v="108" actId="20577"/>
+        <pc:sldMkLst>
+          <pc:docMk/>
+          <pc:sldMk cId="2321148637" sldId="296"/>
+        </pc:sldMkLst>
+        <pc:spChg chg="mod">
+          <ac:chgData name="" userId="" providerId="" clId="Web-{7103B2D5-B67B-4E7B-A34B-49593647FE85}" dt="2018-12-13T04:54:47.053" v="108" actId="20577"/>
+          <ac:spMkLst>
+            <pc:docMk/>
+            <pc:sldMk cId="2321148637" sldId="296"/>
+            <ac:spMk id="3" creationId="{00000000-0000-0000-0000-000000000000}"/>
+          </ac:spMkLst>
+        </pc:spChg>
+      </pc:sldChg>
+      <pc:sldChg chg="modSp add del">
+        <pc:chgData name="" userId="" providerId="" clId="Web-{7103B2D5-B67B-4E7B-A34B-49593647FE85}" dt="2018-12-13T04:51:12.582" v="32" actId="20577"/>
+        <pc:sldMkLst>
+          <pc:docMk/>
+          <pc:sldMk cId="1253720819" sldId="297"/>
+        </pc:sldMkLst>
+        <pc:spChg chg="mod">
+          <ac:chgData name="" userId="" providerId="" clId="Web-{7103B2D5-B67B-4E7B-A34B-49593647FE85}" dt="2018-12-13T04:49:50.097" v="1" actId="20577"/>
+          <ac:spMkLst>
+            <pc:docMk/>
+            <pc:sldMk cId="1253720819" sldId="297"/>
+            <ac:spMk id="3" creationId="{00000000-0000-0000-0000-000000000000}"/>
+          </ac:spMkLst>
+        </pc:spChg>
+      </pc:sldChg>
+      <pc:sldChg chg="addSp delSp modSp add del replId">
+        <pc:chgData name="" userId="" providerId="" clId="Web-{7103B2D5-B67B-4E7B-A34B-49593647FE85}" dt="2018-12-13T05:08:17.528" v="410" actId="20577"/>
+        <pc:sldMkLst>
+          <pc:docMk/>
+          <pc:sldMk cId="4087779513" sldId="298"/>
+        </pc:sldMkLst>
+        <pc:spChg chg="mod">
+          <ac:chgData name="" userId="" providerId="" clId="Web-{7103B2D5-B67B-4E7B-A34B-49593647FE85}" dt="2018-12-13T05:08:17.528" v="410" actId="20577"/>
+          <ac:spMkLst>
+            <pc:docMk/>
+            <pc:sldMk cId="4087779513" sldId="298"/>
+            <ac:spMk id="3" creationId="{00000000-0000-0000-0000-000000000000}"/>
+          </ac:spMkLst>
+        </pc:spChg>
+        <pc:spChg chg="add mod">
+          <ac:chgData name="" userId="" providerId="" clId="Web-{7103B2D5-B67B-4E7B-A34B-49593647FE85}" dt="2018-12-13T04:57:47.773" v="113" actId="14100"/>
+          <ac:spMkLst>
+            <pc:docMk/>
+            <pc:sldMk cId="4087779513" sldId="298"/>
+            <ac:spMk id="7" creationId="{C30B06FE-EE54-4A09-8A35-EF5B3829427B}"/>
+          </ac:spMkLst>
+        </pc:spChg>
+        <pc:spChg chg="add mod">
+          <ac:chgData name="" userId="" providerId="" clId="Web-{7103B2D5-B67B-4E7B-A34B-49593647FE85}" dt="2018-12-13T04:57:56.445" v="115" actId="1076"/>
+          <ac:spMkLst>
+            <pc:docMk/>
+            <pc:sldMk cId="4087779513" sldId="298"/>
+            <ac:spMk id="13" creationId="{370AA35D-C222-4940-B5B0-6770B197BF4D}"/>
+          </ac:spMkLst>
+        </pc:spChg>
+        <pc:graphicFrameChg chg="add mod">
+          <ac:chgData name="" userId="" providerId="" clId="Web-{7103B2D5-B67B-4E7B-A34B-49593647FE85}" dt="2018-12-13T05:04:25.870" v="403" actId="1076"/>
+          <ac:graphicFrameMkLst>
+            <pc:docMk/>
+            <pc:sldMk cId="4087779513" sldId="298"/>
+            <ac:graphicFrameMk id="8" creationId="{37A699A3-B2D1-4811-872A-2375D909150C}"/>
+          </ac:graphicFrameMkLst>
+        </pc:graphicFrameChg>
+        <pc:picChg chg="del">
+          <ac:chgData name="" userId="" providerId="" clId="Web-{7103B2D5-B67B-4E7B-A34B-49593647FE85}" dt="2018-12-13T04:50:00.769" v="8" actId="20577"/>
+          <ac:picMkLst>
+            <pc:docMk/>
+            <pc:sldMk cId="4087779513" sldId="298"/>
+            <ac:picMk id="6" creationId="{93FDA66A-2DEB-4BBF-89AE-EEDC9B334067}"/>
+          </ac:picMkLst>
+        </pc:picChg>
+        <pc:picChg chg="del">
+          <ac:chgData name="" userId="" providerId="" clId="Web-{7103B2D5-B67B-4E7B-A34B-49593647FE85}" dt="2018-12-13T04:50:05.801" v="9" actId="20577"/>
+          <ac:picMkLst>
+            <pc:docMk/>
+            <pc:sldMk cId="4087779513" sldId="298"/>
+            <ac:picMk id="17" creationId="{67E14C43-2DC0-4D39-A627-50BE5EB93B0D}"/>
+          </ac:picMkLst>
+        </pc:picChg>
+      </pc:sldChg>
+    </pc:docChg>
+  </pc:docChgLst>
+  <pc:docChgLst>
     <pc:chgData clId="Web-{F673F923-E8B1-40D6-8EAA-182FDD22EA40}"/>
     <pc:docChg chg="addSld delSld modSld">
       <pc:chgData name="" userId="" providerId="" clId="Web-{F673F923-E8B1-40D6-8EAA-182FDD22EA40}" dt="2018-12-13T04:32:05.636" v="327"/>
@@ -832,100 +926,6 @@
             <pc:docMk/>
             <pc:sldMk cId="1253720819" sldId="297"/>
             <ac:picMk id="6" creationId="{93FDA66A-2DEB-4BBF-89AE-EEDC9B334067}"/>
-          </ac:picMkLst>
-        </pc:picChg>
-      </pc:sldChg>
-    </pc:docChg>
-  </pc:docChgLst>
-  <pc:docChgLst>
-    <pc:chgData clId="Web-{7103B2D5-B67B-4E7B-A34B-49593647FE85}"/>
-    <pc:docChg chg="addSld delSld modSld">
-      <pc:chgData name="" userId="" providerId="" clId="Web-{7103B2D5-B67B-4E7B-A34B-49593647FE85}" dt="2018-12-13T05:08:17.543" v="411" actId="20577"/>
-      <pc:docMkLst>
-        <pc:docMk/>
-      </pc:docMkLst>
-      <pc:sldChg chg="modSp">
-        <pc:chgData name="" userId="" providerId="" clId="Web-{7103B2D5-B67B-4E7B-A34B-49593647FE85}" dt="2018-12-13T04:54:47.053" v="108" actId="20577"/>
-        <pc:sldMkLst>
-          <pc:docMk/>
-          <pc:sldMk cId="2321148637" sldId="296"/>
-        </pc:sldMkLst>
-        <pc:spChg chg="mod">
-          <ac:chgData name="" userId="" providerId="" clId="Web-{7103B2D5-B67B-4E7B-A34B-49593647FE85}" dt="2018-12-13T04:54:47.053" v="108" actId="20577"/>
-          <ac:spMkLst>
-            <pc:docMk/>
-            <pc:sldMk cId="2321148637" sldId="296"/>
-            <ac:spMk id="3" creationId="{00000000-0000-0000-0000-000000000000}"/>
-          </ac:spMkLst>
-        </pc:spChg>
-      </pc:sldChg>
-      <pc:sldChg chg="modSp add del">
-        <pc:chgData name="" userId="" providerId="" clId="Web-{7103B2D5-B67B-4E7B-A34B-49593647FE85}" dt="2018-12-13T04:51:12.582" v="32" actId="20577"/>
-        <pc:sldMkLst>
-          <pc:docMk/>
-          <pc:sldMk cId="1253720819" sldId="297"/>
-        </pc:sldMkLst>
-        <pc:spChg chg="mod">
-          <ac:chgData name="" userId="" providerId="" clId="Web-{7103B2D5-B67B-4E7B-A34B-49593647FE85}" dt="2018-12-13T04:49:50.097" v="1" actId="20577"/>
-          <ac:spMkLst>
-            <pc:docMk/>
-            <pc:sldMk cId="1253720819" sldId="297"/>
-            <ac:spMk id="3" creationId="{00000000-0000-0000-0000-000000000000}"/>
-          </ac:spMkLst>
-        </pc:spChg>
-      </pc:sldChg>
-      <pc:sldChg chg="addSp delSp modSp add del replId">
-        <pc:chgData name="" userId="" providerId="" clId="Web-{7103B2D5-B67B-4E7B-A34B-49593647FE85}" dt="2018-12-13T05:08:17.528" v="410" actId="20577"/>
-        <pc:sldMkLst>
-          <pc:docMk/>
-          <pc:sldMk cId="4087779513" sldId="298"/>
-        </pc:sldMkLst>
-        <pc:spChg chg="mod">
-          <ac:chgData name="" userId="" providerId="" clId="Web-{7103B2D5-B67B-4E7B-A34B-49593647FE85}" dt="2018-12-13T05:08:17.528" v="410" actId="20577"/>
-          <ac:spMkLst>
-            <pc:docMk/>
-            <pc:sldMk cId="4087779513" sldId="298"/>
-            <ac:spMk id="3" creationId="{00000000-0000-0000-0000-000000000000}"/>
-          </ac:spMkLst>
-        </pc:spChg>
-        <pc:spChg chg="add mod">
-          <ac:chgData name="" userId="" providerId="" clId="Web-{7103B2D5-B67B-4E7B-A34B-49593647FE85}" dt="2018-12-13T04:57:47.773" v="113" actId="14100"/>
-          <ac:spMkLst>
-            <pc:docMk/>
-            <pc:sldMk cId="4087779513" sldId="298"/>
-            <ac:spMk id="7" creationId="{C30B06FE-EE54-4A09-8A35-EF5B3829427B}"/>
-          </ac:spMkLst>
-        </pc:spChg>
-        <pc:spChg chg="add mod">
-          <ac:chgData name="" userId="" providerId="" clId="Web-{7103B2D5-B67B-4E7B-A34B-49593647FE85}" dt="2018-12-13T04:57:56.445" v="115" actId="1076"/>
-          <ac:spMkLst>
-            <pc:docMk/>
-            <pc:sldMk cId="4087779513" sldId="298"/>
-            <ac:spMk id="13" creationId="{370AA35D-C222-4940-B5B0-6770B197BF4D}"/>
-          </ac:spMkLst>
-        </pc:spChg>
-        <pc:graphicFrameChg chg="add mod">
-          <ac:chgData name="" userId="" providerId="" clId="Web-{7103B2D5-B67B-4E7B-A34B-49593647FE85}" dt="2018-12-13T05:04:25.870" v="403" actId="1076"/>
-          <ac:graphicFrameMkLst>
-            <pc:docMk/>
-            <pc:sldMk cId="4087779513" sldId="298"/>
-            <ac:graphicFrameMk id="8" creationId="{37A699A3-B2D1-4811-872A-2375D909150C}"/>
-          </ac:graphicFrameMkLst>
-        </pc:graphicFrameChg>
-        <pc:picChg chg="del">
-          <ac:chgData name="" userId="" providerId="" clId="Web-{7103B2D5-B67B-4E7B-A34B-49593647FE85}" dt="2018-12-13T04:50:00.769" v="8" actId="20577"/>
-          <ac:picMkLst>
-            <pc:docMk/>
-            <pc:sldMk cId="4087779513" sldId="298"/>
-            <ac:picMk id="6" creationId="{93FDA66A-2DEB-4BBF-89AE-EEDC9B334067}"/>
-          </ac:picMkLst>
-        </pc:picChg>
-        <pc:picChg chg="del">
-          <ac:chgData name="" userId="" providerId="" clId="Web-{7103B2D5-B67B-4E7B-A34B-49593647FE85}" dt="2018-12-13T04:50:05.801" v="9" actId="20577"/>
-          <ac:picMkLst>
-            <pc:docMk/>
-            <pc:sldMk cId="4087779513" sldId="298"/>
-            <ac:picMk id="17" creationId="{67E14C43-2DC0-4D39-A627-50BE5EB93B0D}"/>
           </ac:picMkLst>
         </pc:picChg>
       </pc:sldChg>
@@ -1491,53 +1491,6 @@
     </pc:docChg>
   </pc:docChgLst>
   <pc:docChgLst>
-    <pc:chgData clId="Web-{79AB372B-006D-4645-803B-24B88829783C}"/>
-    <pc:docChg chg="modSld">
-      <pc:chgData name="" userId="" providerId="" clId="Web-{79AB372B-006D-4645-803B-24B88829783C}" dt="2018-12-14T03:55:06.419" v="11" actId="1076"/>
-      <pc:docMkLst>
-        <pc:docMk/>
-      </pc:docMkLst>
-      <pc:sldChg chg="modSp">
-        <pc:chgData name="" userId="" providerId="" clId="Web-{79AB372B-006D-4645-803B-24B88829783C}" dt="2018-12-14T03:55:06.419" v="11" actId="1076"/>
-        <pc:sldMkLst>
-          <pc:docMk/>
-          <pc:sldMk cId="3955433755" sldId="277"/>
-        </pc:sldMkLst>
-        <pc:spChg chg="mod">
-          <ac:chgData name="" userId="" providerId="" clId="Web-{79AB372B-006D-4645-803B-24B88829783C}" dt="2018-12-14T03:55:06.419" v="11" actId="1076"/>
-          <ac:spMkLst>
-            <pc:docMk/>
-            <pc:sldMk cId="3955433755" sldId="277"/>
-            <ac:spMk id="10" creationId="{717DA895-1562-4704-928F-D48D6103DEA0}"/>
-          </ac:spMkLst>
-        </pc:spChg>
-      </pc:sldChg>
-      <pc:sldChg chg="modSp">
-        <pc:chgData name="" userId="" providerId="" clId="Web-{79AB372B-006D-4645-803B-24B88829783C}" dt="2018-12-14T03:54:37.638" v="10" actId="1076"/>
-        <pc:sldMkLst>
-          <pc:docMk/>
-          <pc:sldMk cId="4087779513" sldId="298"/>
-        </pc:sldMkLst>
-        <pc:spChg chg="mod">
-          <ac:chgData name="" userId="" providerId="" clId="Web-{79AB372B-006D-4645-803B-24B88829783C}" dt="2018-12-14T03:54:31.606" v="9" actId="20577"/>
-          <ac:spMkLst>
-            <pc:docMk/>
-            <pc:sldMk cId="4087779513" sldId="298"/>
-            <ac:spMk id="3" creationId="{00000000-0000-0000-0000-000000000000}"/>
-          </ac:spMkLst>
-        </pc:spChg>
-        <pc:spChg chg="mod">
-          <ac:chgData name="" userId="" providerId="" clId="Web-{79AB372B-006D-4645-803B-24B88829783C}" dt="2018-12-14T03:54:37.638" v="10" actId="1076"/>
-          <ac:spMkLst>
-            <pc:docMk/>
-            <pc:sldMk cId="4087779513" sldId="298"/>
-            <ac:spMk id="13" creationId="{370AA35D-C222-4940-B5B0-6770B197BF4D}"/>
-          </ac:spMkLst>
-        </pc:spChg>
-      </pc:sldChg>
-    </pc:docChg>
-  </pc:docChgLst>
-  <pc:docChgLst>
     <pc:chgData clId="Web-{6F120030-546D-4A9D-9972-C0669869877D}"/>
     <pc:docChg chg="addSld delSld modSld sldOrd">
       <pc:chgData name="" userId="" providerId="" clId="Web-{6F120030-546D-4A9D-9972-C0669869877D}" dt="2018-12-14T03:17:45.116" v="279" actId="20577"/>
@@ -1820,6 +1773,53 @@
             <pc:docMk/>
             <pc:sldMk cId="979300566" sldId="317"/>
             <ac:spMk id="9" creationId="{EA86FAEE-3E77-4C6A-BF00-23A59D21C535}"/>
+          </ac:spMkLst>
+        </pc:spChg>
+      </pc:sldChg>
+    </pc:docChg>
+  </pc:docChgLst>
+  <pc:docChgLst>
+    <pc:chgData clId="Web-{79AB372B-006D-4645-803B-24B88829783C}"/>
+    <pc:docChg chg="modSld">
+      <pc:chgData name="" userId="" providerId="" clId="Web-{79AB372B-006D-4645-803B-24B88829783C}" dt="2018-12-14T03:55:06.419" v="11" actId="1076"/>
+      <pc:docMkLst>
+        <pc:docMk/>
+      </pc:docMkLst>
+      <pc:sldChg chg="modSp">
+        <pc:chgData name="" userId="" providerId="" clId="Web-{79AB372B-006D-4645-803B-24B88829783C}" dt="2018-12-14T03:55:06.419" v="11" actId="1076"/>
+        <pc:sldMkLst>
+          <pc:docMk/>
+          <pc:sldMk cId="3955433755" sldId="277"/>
+        </pc:sldMkLst>
+        <pc:spChg chg="mod">
+          <ac:chgData name="" userId="" providerId="" clId="Web-{79AB372B-006D-4645-803B-24B88829783C}" dt="2018-12-14T03:55:06.419" v="11" actId="1076"/>
+          <ac:spMkLst>
+            <pc:docMk/>
+            <pc:sldMk cId="3955433755" sldId="277"/>
+            <ac:spMk id="10" creationId="{717DA895-1562-4704-928F-D48D6103DEA0}"/>
+          </ac:spMkLst>
+        </pc:spChg>
+      </pc:sldChg>
+      <pc:sldChg chg="modSp">
+        <pc:chgData name="" userId="" providerId="" clId="Web-{79AB372B-006D-4645-803B-24B88829783C}" dt="2018-12-14T03:54:37.638" v="10" actId="1076"/>
+        <pc:sldMkLst>
+          <pc:docMk/>
+          <pc:sldMk cId="4087779513" sldId="298"/>
+        </pc:sldMkLst>
+        <pc:spChg chg="mod">
+          <ac:chgData name="" userId="" providerId="" clId="Web-{79AB372B-006D-4645-803B-24B88829783C}" dt="2018-12-14T03:54:31.606" v="9" actId="20577"/>
+          <ac:spMkLst>
+            <pc:docMk/>
+            <pc:sldMk cId="4087779513" sldId="298"/>
+            <ac:spMk id="3" creationId="{00000000-0000-0000-0000-000000000000}"/>
+          </ac:spMkLst>
+        </pc:spChg>
+        <pc:spChg chg="mod">
+          <ac:chgData name="" userId="" providerId="" clId="Web-{79AB372B-006D-4645-803B-24B88829783C}" dt="2018-12-14T03:54:37.638" v="10" actId="1076"/>
+          <ac:spMkLst>
+            <pc:docMk/>
+            <pc:sldMk cId="4087779513" sldId="298"/>
+            <ac:spMk id="13" creationId="{370AA35D-C222-4940-B5B0-6770B197BF4D}"/>
           </ac:spMkLst>
         </pc:spChg>
       </pc:sldChg>
@@ -2408,7 +2408,7 @@
           <a:p>
             <a:fld id="{977EDA7C-FE7D-4067-B16B-E1AC011D7C32}" type="datetimeFigureOut">
               <a:rPr lang="en-AU" smtClean="0"/>
-              <a:t>14/01/2019</a:t>
+              <a:t>26/2/19</a:t>
             </a:fld>
             <a:endParaRPr lang="en-AU"/>
           </a:p>
@@ -2874,7 +2874,7 @@
           <a:p>
             <a:fld id="{E0F24F3C-F925-46DA-A008-F2BB3BCB2FDE}" type="datetime1">
               <a:rPr lang="zh-CN" altLang="en-US" smtClean="0"/>
-              <a:t>2019/1/14</a:t>
+              <a:t>2019/2/26</a:t>
             </a:fld>
             <a:endParaRPr lang="zh-CN" altLang="en-US"/>
           </a:p>
@@ -3128,7 +3128,7 @@
           <a:p>
             <a:fld id="{99EBC8C3-B383-4830-83CD-72A95F7B9139}" type="datetime1">
               <a:rPr lang="zh-CN" altLang="en-US" smtClean="0"/>
-              <a:t>2019/1/14</a:t>
+              <a:t>2019/2/26</a:t>
             </a:fld>
             <a:endParaRPr lang="zh-CN" altLang="en-US"/>
           </a:p>
@@ -3394,7 +3394,7 @@
           <a:p>
             <a:fld id="{6C941806-F954-4E55-8CB7-423EA814350E}" type="datetime1">
               <a:rPr lang="zh-CN" altLang="en-US" smtClean="0"/>
-              <a:t>2019/1/14</a:t>
+              <a:t>2019/2/26</a:t>
             </a:fld>
             <a:endParaRPr lang="zh-CN" altLang="en-US"/>
           </a:p>
@@ -3572,7 +3572,7 @@
           <a:p>
             <a:fld id="{6DBB6E4C-3BDE-4CC3-89CF-AFCED189759C}" type="datetime1">
               <a:rPr lang="zh-CN" altLang="en-US" smtClean="0"/>
-              <a:t>2019/1/14</a:t>
+              <a:t>2019/2/26</a:t>
             </a:fld>
             <a:endParaRPr lang="zh-CN" altLang="en-US"/>
           </a:p>
@@ -3879,7 +3879,7 @@
           <a:p>
             <a:fld id="{BEA29CFD-885D-492C-834F-82D8304BFA4B}" type="datetime1">
               <a:rPr lang="zh-CN" altLang="en-US" smtClean="0"/>
-              <a:t>2019/1/14</a:t>
+              <a:t>2019/2/26</a:t>
             </a:fld>
             <a:endParaRPr lang="zh-CN" altLang="en-US"/>
           </a:p>
@@ -4200,7 +4200,7 @@
           <a:p>
             <a:fld id="{8A773EC5-F836-421B-867A-B0FA7BBC1907}" type="datetime1">
               <a:rPr lang="zh-CN" altLang="en-US" smtClean="0"/>
-              <a:t>2019/1/14</a:t>
+              <a:t>2019/2/26</a:t>
             </a:fld>
             <a:endParaRPr lang="zh-CN" altLang="en-US"/>
           </a:p>
@@ -4587,7 +4587,7 @@
           <a:p>
             <a:fld id="{7CC80482-6F97-43D4-804F-8106105C2E21}" type="datetime1">
               <a:rPr lang="zh-CN" altLang="en-US" smtClean="0"/>
-              <a:t>2019/1/14</a:t>
+              <a:t>2019/2/26</a:t>
             </a:fld>
             <a:endParaRPr lang="zh-CN" altLang="en-US"/>
           </a:p>
@@ -4713,7 +4713,7 @@
           <a:p>
             <a:fld id="{D4FD319F-8522-4F26-B014-C613CA9085ED}" type="datetime1">
               <a:rPr lang="zh-CN" altLang="en-US" smtClean="0"/>
-              <a:t>2019/1/14</a:t>
+              <a:t>2019/2/26</a:t>
             </a:fld>
             <a:endParaRPr lang="zh-CN" altLang="en-US"/>
           </a:p>
@@ -4894,7 +4894,7 @@
           <a:p>
             <a:fld id="{9ADD9757-4264-47EE-BD34-A7812A4366DA}" type="datetime1">
               <a:rPr lang="zh-CN" altLang="en-US" smtClean="0"/>
-              <a:t>2019/1/14</a:t>
+              <a:t>2019/2/26</a:t>
             </a:fld>
             <a:endParaRPr lang="zh-CN" altLang="en-US"/>
           </a:p>
@@ -5253,7 +5253,7 @@
           <a:p>
             <a:fld id="{F89E0916-9C58-4AAB-8127-2924D6BF065A}" type="datetime1">
               <a:rPr lang="zh-CN" altLang="en-US" smtClean="0"/>
-              <a:t>2019/1/14</a:t>
+              <a:t>2019/2/26</a:t>
             </a:fld>
             <a:endParaRPr lang="zh-CN" altLang="en-US"/>
           </a:p>
@@ -5640,7 +5640,7 @@
           <a:p>
             <a:fld id="{5EF644F2-F101-4FF0-B998-BB943BBA04B4}" type="datetime1">
               <a:rPr lang="zh-CN" altLang="en-US" smtClean="0"/>
-              <a:t>2019/1/14</a:t>
+              <a:t>2019/2/26</a:t>
             </a:fld>
             <a:endParaRPr lang="zh-CN" altLang="en-US"/>
           </a:p>
@@ -7537,7 +7537,7 @@
         <p:spPr>
           <a:xfrm>
             <a:off x="6150554" y="5502269"/>
-            <a:ext cx="3552236" cy="369332"/>
+            <a:ext cx="3552236" cy="646331"/>
           </a:xfrm>
           <a:prstGeom prst="rect">
             <a:avLst/>
@@ -7560,7 +7560,7 @@
               <a:rPr lang="en-GB" dirty="0">
                 <a:cs typeface="Calibri"/>
               </a:rPr>
-              <a:t> as SELECT cannot find Degree</a:t>
+              <a:t> as SELECT cannot find department</a:t>
             </a:r>
             <a:endParaRPr lang="en-GB" dirty="0"/>
           </a:p>
@@ -11130,7 +11130,7 @@
         </p:nvGraphicFramePr>
         <p:xfrm>
           <a:off x="2551836" y="3892470"/>
-          <a:ext cx="4176464" cy="1727454"/>
+          <a:ext cx="4176464" cy="1727076"/>
         </p:xfrm>
         <a:graphic>
           <a:graphicData uri="http://schemas.openxmlformats.org/drawingml/2006/table">
